--- a/FFPM/FFPM 441.pptx
+++ b/FFPM/FFPM 441.pptx
@@ -110,6 +110,22 @@
       </a:defRPr>
     </a:lvl9pPr>
   </p:defaultTextStyle>
+  <p:extLst>
+    <p:ext uri="{EFAFB233-063F-42B5-8137-9DF3F51BA10A}">
+      <p15:sldGuideLst xmlns:p15="http://schemas.microsoft.com/office/powerpoint/2012/main">
+        <p15:guide id="1" orient="horz" pos="1620">
+          <p15:clr>
+            <a:srgbClr val="A4A3A4"/>
+          </p15:clr>
+        </p15:guide>
+        <p15:guide id="2" pos="2880">
+          <p15:clr>
+            <a:srgbClr val="A4A3A4"/>
+          </p15:clr>
+        </p15:guide>
+      </p15:sldGuideLst>
+    </p:ext>
+  </p:extLst>
 </p:presentation>
 </file>
 
@@ -294,7 +310,7 @@
           <a:p>
             <a:fld id="{06296105-9179-4A31-97B3-956E72145F6C}" type="datetimeFigureOut">
               <a:rPr lang="fr-FR" smtClean="0"/>
-              <a:t>27/10/2014</a:t>
+              <a:t>13/04/2025</a:t>
             </a:fld>
             <a:endParaRPr lang="fr-FR"/>
           </a:p>
@@ -459,7 +475,7 @@
           <a:p>
             <a:fld id="{06296105-9179-4A31-97B3-956E72145F6C}" type="datetimeFigureOut">
               <a:rPr lang="fr-FR" smtClean="0"/>
-              <a:t>27/10/2014</a:t>
+              <a:t>13/04/2025</a:t>
             </a:fld>
             <a:endParaRPr lang="fr-FR"/>
           </a:p>
@@ -634,7 +650,7 @@
           <a:p>
             <a:fld id="{06296105-9179-4A31-97B3-956E72145F6C}" type="datetimeFigureOut">
               <a:rPr lang="fr-FR" smtClean="0"/>
-              <a:t>27/10/2014</a:t>
+              <a:t>13/04/2025</a:t>
             </a:fld>
             <a:endParaRPr lang="fr-FR"/>
           </a:p>
@@ -799,7 +815,7 @@
           <a:p>
             <a:fld id="{06296105-9179-4A31-97B3-956E72145F6C}" type="datetimeFigureOut">
               <a:rPr lang="fr-FR" smtClean="0"/>
-              <a:t>27/10/2014</a:t>
+              <a:t>13/04/2025</a:t>
             </a:fld>
             <a:endParaRPr lang="fr-FR"/>
           </a:p>
@@ -1040,7 +1056,7 @@
           <a:p>
             <a:fld id="{06296105-9179-4A31-97B3-956E72145F6C}" type="datetimeFigureOut">
               <a:rPr lang="fr-FR" smtClean="0"/>
-              <a:t>27/10/2014</a:t>
+              <a:t>13/04/2025</a:t>
             </a:fld>
             <a:endParaRPr lang="fr-FR"/>
           </a:p>
@@ -1323,7 +1339,7 @@
           <a:p>
             <a:fld id="{06296105-9179-4A31-97B3-956E72145F6C}" type="datetimeFigureOut">
               <a:rPr lang="fr-FR" smtClean="0"/>
-              <a:t>27/10/2014</a:t>
+              <a:t>13/04/2025</a:t>
             </a:fld>
             <a:endParaRPr lang="fr-FR"/>
           </a:p>
@@ -1740,7 +1756,7 @@
           <a:p>
             <a:fld id="{06296105-9179-4A31-97B3-956E72145F6C}" type="datetimeFigureOut">
               <a:rPr lang="fr-FR" smtClean="0"/>
-              <a:t>27/10/2014</a:t>
+              <a:t>13/04/2025</a:t>
             </a:fld>
             <a:endParaRPr lang="fr-FR"/>
           </a:p>
@@ -1853,7 +1869,7 @@
           <a:p>
             <a:fld id="{06296105-9179-4A31-97B3-956E72145F6C}" type="datetimeFigureOut">
               <a:rPr lang="fr-FR" smtClean="0"/>
-              <a:t>27/10/2014</a:t>
+              <a:t>13/04/2025</a:t>
             </a:fld>
             <a:endParaRPr lang="fr-FR"/>
           </a:p>
@@ -1943,7 +1959,7 @@
           <a:p>
             <a:fld id="{06296105-9179-4A31-97B3-956E72145F6C}" type="datetimeFigureOut">
               <a:rPr lang="fr-FR" smtClean="0"/>
-              <a:t>27/10/2014</a:t>
+              <a:t>13/04/2025</a:t>
             </a:fld>
             <a:endParaRPr lang="fr-FR"/>
           </a:p>
@@ -2215,7 +2231,7 @@
           <a:p>
             <a:fld id="{06296105-9179-4A31-97B3-956E72145F6C}" type="datetimeFigureOut">
               <a:rPr lang="fr-FR" smtClean="0"/>
-              <a:t>27/10/2014</a:t>
+              <a:t>13/04/2025</a:t>
             </a:fld>
             <a:endParaRPr lang="fr-FR"/>
           </a:p>
@@ -2463,7 +2479,7 @@
           <a:p>
             <a:fld id="{06296105-9179-4A31-97B3-956E72145F6C}" type="datetimeFigureOut">
               <a:rPr lang="fr-FR" smtClean="0"/>
-              <a:t>27/10/2014</a:t>
+              <a:t>13/04/2025</a:t>
             </a:fld>
             <a:endParaRPr lang="fr-FR"/>
           </a:p>
@@ -2671,7 +2687,7 @@
           <a:p>
             <a:fld id="{06296105-9179-4A31-97B3-956E72145F6C}" type="datetimeFigureOut">
               <a:rPr lang="fr-FR" smtClean="0"/>
-              <a:t>27/10/2014</a:t>
+              <a:t>13/04/2025</a:t>
             </a:fld>
             <a:endParaRPr lang="fr-FR"/>
           </a:p>
@@ -3118,176 +3134,196 @@
             <p:ph type="ctrTitle"/>
           </p:nvPr>
         </p:nvSpPr>
-        <p:spPr/>
+        <p:spPr>
+          <a:xfrm>
+            <a:off x="1143000" y="1955286"/>
+            <a:ext cx="6858000" cy="1102519"/>
+          </a:xfrm>
+        </p:spPr>
         <p:txBody>
           <a:bodyPr>
             <a:noAutofit/>
           </a:bodyPr>
           <a:lstStyle/>
           <a:p>
-            <a:pPr>
-              <a:lnSpc>
-                <a:spcPct val="150000"/>
-              </a:lnSpc>
-            </a:pPr>
-            <a:r>
-              <a:rPr lang="en-GB" sz="4800" b="1" dirty="0"/>
+            <a:r>
+              <a:rPr lang="en-GB" sz="5400" b="1" dirty="0"/>
               <a:t>1 </a:t>
             </a:r>
             <a:r>
-              <a:rPr lang="en-GB" sz="4800" b="1" dirty="0" err="1"/>
+              <a:rPr lang="en-GB" sz="5400" b="1" dirty="0" err="1"/>
               <a:t>Raiso</a:t>
             </a:r>
             <a:r>
-              <a:rPr lang="en-GB" sz="4800" b="1" dirty="0"/>
-              <a:t> </a:t>
-            </a:r>
-            <a:r>
-              <a:rPr lang="en-GB" sz="4800" b="1" dirty="0" err="1"/>
+              <a:rPr lang="en-GB" sz="5400" b="1" dirty="0"/>
+              <a:t> </a:t>
+            </a:r>
+            <a:r>
+              <a:rPr lang="en-GB" sz="5400" b="1" dirty="0" err="1"/>
               <a:t>aho</a:t>
             </a:r>
             <a:r>
-              <a:rPr lang="en-GB" sz="4800" b="1" dirty="0"/>
+              <a:rPr lang="en-GB" sz="5400" b="1" dirty="0"/>
               <a:t>, </a:t>
             </a:r>
             <a:r>
-              <a:rPr lang="en-GB" sz="4800" b="1" dirty="0" err="1"/>
+              <a:rPr lang="en-GB" sz="5400" b="1" dirty="0" err="1"/>
               <a:t>Tompo</a:t>
             </a:r>
             <a:r>
-              <a:rPr lang="en-GB" sz="4800" b="1" dirty="0"/>
+              <a:rPr lang="en-GB" sz="5400" b="1" dirty="0"/>
               <a:t> ô !</a:t>
             </a:r>
             <a:r>
-              <a:rPr lang="fr-FR" sz="4800" b="1" dirty="0"/>
+              <a:rPr lang="fr-FR" sz="5400" b="1" dirty="0"/>
               <a:t/>
             </a:r>
             <a:br>
-              <a:rPr lang="fr-FR" sz="4800" b="1" dirty="0"/>
+              <a:rPr lang="fr-FR" sz="5400" b="1" dirty="0"/>
             </a:br>
             <a:r>
-              <a:rPr lang="en-GB" sz="4800" b="1" dirty="0"/>
+              <a:rPr lang="en-GB" sz="5400" b="1" dirty="0"/>
               <a:t>   </a:t>
             </a:r>
             <a:r>
-              <a:rPr lang="en-GB" sz="4800" b="1" dirty="0" err="1"/>
+              <a:rPr lang="en-GB" sz="5400" b="1" dirty="0" err="1"/>
               <a:t>Fa</a:t>
             </a:r>
             <a:r>
-              <a:rPr lang="en-GB" sz="4800" b="1" dirty="0"/>
-              <a:t> </a:t>
-            </a:r>
-            <a:r>
-              <a:rPr lang="en-GB" sz="4800" b="1" dirty="0" err="1"/>
+              <a:rPr lang="en-GB" sz="5400" b="1" dirty="0"/>
+              <a:t> </a:t>
+            </a:r>
+            <a:r>
+              <a:rPr lang="en-GB" sz="5400" b="1" dirty="0" err="1"/>
               <a:t>te</a:t>
             </a:r>
             <a:r>
-              <a:rPr lang="en-GB" sz="4800" b="1" dirty="0"/>
+              <a:rPr lang="en-GB" sz="5400" b="1" dirty="0"/>
               <a:t>-ho </a:t>
             </a:r>
             <a:r>
-              <a:rPr lang="en-GB" sz="4800" b="1" dirty="0" err="1"/>
+              <a:rPr lang="en-GB" sz="5400" b="1" dirty="0" err="1"/>
               <a:t>mpanomponao</a:t>
             </a:r>
             <a:r>
-              <a:rPr lang="en-GB" sz="4800" b="1" dirty="0"/>
+              <a:rPr lang="en-GB" sz="5400" b="1" dirty="0"/>
               <a:t> ;</a:t>
             </a:r>
             <a:r>
-              <a:rPr lang="fr-FR" sz="4800" b="1" dirty="0"/>
+              <a:rPr lang="fr-FR" sz="5400" b="1" dirty="0"/>
               <a:t/>
             </a:r>
             <a:br>
-              <a:rPr lang="fr-FR" sz="4800" b="1" dirty="0"/>
+              <a:rPr lang="fr-FR" sz="5400" b="1" dirty="0"/>
             </a:br>
             <a:r>
-              <a:rPr lang="en-GB" sz="4800" b="1" dirty="0"/>
+              <a:rPr lang="en-GB" sz="5400" b="1" dirty="0"/>
               <a:t>   </a:t>
             </a:r>
             <a:r>
-              <a:rPr lang="en-GB" sz="4800" b="1" dirty="0" err="1"/>
+              <a:rPr lang="en-GB" sz="5400" b="1" dirty="0" err="1"/>
               <a:t>Raiso</a:t>
             </a:r>
             <a:r>
-              <a:rPr lang="en-GB" sz="4800" b="1" dirty="0"/>
-              <a:t> </a:t>
-            </a:r>
-            <a:r>
-              <a:rPr lang="en-GB" sz="4800" b="1" dirty="0" err="1"/>
+              <a:rPr lang="en-GB" sz="5400" b="1" dirty="0"/>
+              <a:t> </a:t>
+            </a:r>
+            <a:r>
+              <a:rPr lang="en-GB" sz="5400" b="1" dirty="0" err="1"/>
               <a:t>koa</a:t>
             </a:r>
             <a:r>
-              <a:rPr lang="en-GB" sz="4800" b="1" dirty="0"/>
-              <a:t> </a:t>
-            </a:r>
-            <a:r>
-              <a:rPr lang="en-GB" sz="4800" b="1" dirty="0" err="1"/>
+              <a:rPr lang="en-GB" sz="5400" b="1" dirty="0"/>
+              <a:t> </a:t>
+            </a:r>
+            <a:r>
+              <a:rPr lang="en-GB" sz="5400" b="1" dirty="0" err="1"/>
               <a:t>ny</a:t>
             </a:r>
             <a:r>
-              <a:rPr lang="en-GB" sz="4800" b="1" dirty="0"/>
-              <a:t> </a:t>
-            </a:r>
-            <a:r>
-              <a:rPr lang="en-GB" sz="4800" b="1" dirty="0" err="1"/>
+              <a:rPr lang="en-GB" sz="5400" b="1" dirty="0"/>
+              <a:t> </a:t>
+            </a:r>
+            <a:r>
+              <a:rPr lang="en-GB" sz="5400" b="1" dirty="0" err="1"/>
               <a:t>androko</a:t>
             </a:r>
             <a:r>
-              <a:rPr lang="en-GB" sz="4800" b="1" dirty="0"/>
+              <a:rPr lang="en-GB" sz="5400" b="1" dirty="0"/>
               <a:t>,</a:t>
             </a:r>
             <a:r>
-              <a:rPr lang="fr-FR" sz="4800" b="1" dirty="0"/>
+              <a:rPr lang="fr-FR" sz="5400" b="1" dirty="0"/>
               <a:t/>
             </a:r>
             <a:br>
-              <a:rPr lang="fr-FR" sz="4800" b="1" dirty="0"/>
+              <a:rPr lang="fr-FR" sz="5400" b="1" dirty="0"/>
             </a:br>
             <a:r>
-              <a:rPr lang="en-GB" sz="4800" b="1" dirty="0"/>
+              <a:rPr lang="en-GB" sz="5400" b="1" dirty="0"/>
               <a:t>   K</a:t>
             </a:r>
             <a:r>
-              <a:rPr lang="en-GB" sz="4800" b="1" i="1" dirty="0"/>
+              <a:rPr lang="en-GB" sz="5400" b="1" i="1" dirty="0"/>
               <a:t>a</a:t>
             </a:r>
             <a:r>
-              <a:rPr lang="en-GB" sz="4800" b="1" dirty="0"/>
+              <a:rPr lang="en-GB" sz="5400" b="1" dirty="0"/>
               <a:t>  </a:t>
             </a:r>
             <a:r>
-              <a:rPr lang="en-GB" sz="4800" b="1" dirty="0" err="1"/>
+              <a:rPr lang="en-GB" sz="5400" b="1" dirty="0" err="1"/>
               <a:t>anarano</a:t>
             </a:r>
             <a:r>
-              <a:rPr lang="en-GB" sz="4800" b="1" dirty="0"/>
-              <a:t> </a:t>
-            </a:r>
-            <a:r>
-              <a:rPr lang="en-GB" sz="4800" b="1" dirty="0" err="1"/>
+              <a:rPr lang="en-GB" sz="5400" b="1" dirty="0"/>
+              <a:t> </a:t>
+            </a:r>
+            <a:r>
+              <a:rPr lang="en-GB" sz="5400" b="1" dirty="0" err="1"/>
               <a:t>fo</a:t>
             </a:r>
             <a:r>
-              <a:rPr lang="en-GB" sz="4800" b="1" dirty="0"/>
-              <a:t> </a:t>
-            </a:r>
-            <a:r>
-              <a:rPr lang="en-GB" sz="4800" b="1" dirty="0" err="1"/>
+              <a:rPr lang="en-GB" sz="5400" b="1" dirty="0"/>
+              <a:t> </a:t>
+            </a:r>
+            <a:r>
+              <a:rPr lang="en-GB" sz="5400" b="1" dirty="0" err="1"/>
               <a:t>izao</a:t>
             </a:r>
             <a:r>
-              <a:rPr lang="en-GB" sz="4800" b="1" dirty="0"/>
+              <a:rPr lang="en-GB" sz="5400" b="1" dirty="0"/>
               <a:t>.</a:t>
             </a:r>
-            <a:endParaRPr lang="fr-FR" sz="4800" b="1" dirty="0"/>
+            <a:endParaRPr lang="fr-FR" sz="5400" b="1" dirty="0"/>
           </a:p>
         </p:txBody>
       </p:sp>
     </p:spTree>
+    <p:extLst>
+      <p:ext uri="{BB962C8B-B14F-4D97-AF65-F5344CB8AC3E}">
+        <p14:creationId xmlns:p14="http://schemas.microsoft.com/office/powerpoint/2010/main" val="1292530314"/>
+      </p:ext>
+    </p:extLst>
   </p:cSld>
   <p:clrMapOvr>
     <a:masterClrMapping/>
   </p:clrMapOvr>
+  <mc:AlternateContent xmlns:mc="http://schemas.openxmlformats.org/markup-compatibility/2006">
+    <mc:Choice xmlns:p14="http://schemas.microsoft.com/office/powerpoint/2010/main" Requires="p14">
+      <p:transition p14:dur="0"/>
+    </mc:Choice>
+    <mc:Fallback>
+      <p:transition/>
+    </mc:Fallback>
+  </mc:AlternateContent>
+  <p:timing>
+    <p:tnLst>
+      <p:par>
+        <p:cTn id="1" dur="indefinite" restart="never" nodeType="tmRoot"/>
+      </p:par>
+    </p:tnLst>
+  </p:timing>
 </p:sld>
 </file>
 
@@ -3318,152 +3354,163 @@
             <p:ph type="ctrTitle"/>
           </p:nvPr>
         </p:nvSpPr>
-        <p:spPr/>
-        <p:txBody>
-          <a:bodyPr>
+        <p:spPr>
+          <a:xfrm>
+            <a:off x="1143000" y="1847274"/>
+            <a:ext cx="6858000" cy="1102519"/>
+          </a:xfrm>
+        </p:spPr>
+        <p:txBody>
+          <a:bodyPr vert="horz" lIns="68580" tIns="34290" rIns="68580" bIns="34290" rtlCol="0" anchor="ctr">
             <a:noAutofit/>
           </a:bodyPr>
           <a:lstStyle/>
           <a:p>
-            <a:pPr>
-              <a:lnSpc>
-                <a:spcPct val="150000"/>
-              </a:lnSpc>
-            </a:pPr>
-            <a:r>
-              <a:rPr lang="en-GB" sz="4800" b="1" dirty="0"/>
+            <a:r>
+              <a:rPr lang="en-GB" sz="5400" b="1" dirty="0"/>
               <a:t>2 </a:t>
             </a:r>
             <a:r>
-              <a:rPr lang="en-GB" sz="4800" b="1" dirty="0" err="1"/>
+              <a:rPr lang="en-GB" sz="5400" b="1" dirty="0" err="1"/>
               <a:t>Raiso</a:t>
             </a:r>
             <a:r>
-              <a:rPr lang="en-GB" sz="4800" b="1" dirty="0"/>
+              <a:rPr lang="en-GB" sz="5400" b="1" dirty="0"/>
               <a:t> re </a:t>
             </a:r>
             <a:r>
-              <a:rPr lang="en-GB" sz="4800" b="1" dirty="0" err="1"/>
+              <a:rPr lang="en-GB" sz="5400" b="1" dirty="0" err="1"/>
               <a:t>ny</a:t>
             </a:r>
             <a:r>
-              <a:rPr lang="en-GB" sz="4800" b="1" dirty="0"/>
-              <a:t> </a:t>
-            </a:r>
-            <a:r>
-              <a:rPr lang="en-GB" sz="4800" b="1" dirty="0" err="1"/>
+              <a:rPr lang="en-GB" sz="5400" b="1" dirty="0"/>
+              <a:t> </a:t>
+            </a:r>
+            <a:r>
+              <a:rPr lang="en-GB" sz="5400" b="1" dirty="0" err="1"/>
               <a:t>tanako</a:t>
             </a:r>
             <a:r>
-              <a:rPr lang="fr-FR" sz="4800" b="1" dirty="0"/>
+              <a:rPr lang="fr-FR" sz="5400" b="1" dirty="0"/>
               <a:t/>
             </a:r>
             <a:br>
-              <a:rPr lang="fr-FR" sz="4800" b="1" dirty="0"/>
+              <a:rPr lang="fr-FR" sz="5400" b="1" dirty="0"/>
             </a:br>
             <a:r>
-              <a:rPr lang="en-GB" sz="4800" b="1" dirty="0"/>
+              <a:rPr lang="en-GB" sz="5400" b="1" dirty="0" err="1"/>
+              <a:t>Mba</a:t>
+            </a:r>
+            <a:r>
+              <a:rPr lang="en-GB" sz="5400" b="1" dirty="0"/>
+              <a:t> </a:t>
+            </a:r>
+            <a:r>
+              <a:rPr lang="en-GB" sz="5400" b="1" dirty="0" err="1"/>
+              <a:t>hanao</a:t>
+            </a:r>
+            <a:r>
+              <a:rPr lang="en-GB" sz="5400" b="1" dirty="0"/>
+              <a:t> </a:t>
+            </a:r>
+            <a:r>
+              <a:rPr lang="en-GB" sz="5400" b="1" dirty="0" err="1"/>
+              <a:t>ny</a:t>
+            </a:r>
+            <a:r>
+              <a:rPr lang="en-GB" sz="5400" b="1" dirty="0"/>
+              <a:t> </a:t>
+            </a:r>
+            <a:r>
+              <a:rPr lang="en-GB" sz="5400" b="1" dirty="0" err="1"/>
+              <a:t>asanao</a:t>
+            </a:r>
+            <a:r>
+              <a:rPr lang="en-GB" sz="5400" b="1" dirty="0"/>
+              <a:t> ;</a:t>
+            </a:r>
+            <a:r>
+              <a:rPr lang="fr-FR" sz="5400" b="1" dirty="0"/>
+              <a:t/>
+            </a:r>
+            <a:br>
+              <a:rPr lang="fr-FR" sz="5400" b="1" dirty="0"/>
+            </a:br>
+            <a:r>
+              <a:rPr lang="en-GB" sz="5400" b="1" dirty="0"/>
               <a:t>   </a:t>
             </a:r>
             <a:r>
-              <a:rPr lang="en-GB" sz="4800" b="1" dirty="0" err="1"/>
-              <a:t>Mba</a:t>
-            </a:r>
-            <a:r>
-              <a:rPr lang="en-GB" sz="4800" b="1" dirty="0"/>
-              <a:t> </a:t>
-            </a:r>
-            <a:r>
-              <a:rPr lang="en-GB" sz="4800" b="1" dirty="0" err="1"/>
-              <a:t>hanao</a:t>
-            </a:r>
-            <a:r>
-              <a:rPr lang="en-GB" sz="4800" b="1" dirty="0"/>
-              <a:t> </a:t>
-            </a:r>
-            <a:r>
-              <a:rPr lang="en-GB" sz="4800" b="1" dirty="0" err="1"/>
+              <a:rPr lang="en-GB" sz="5400" b="1" dirty="0" err="1"/>
+              <a:t>Raiso</a:t>
+            </a:r>
+            <a:r>
+              <a:rPr lang="en-GB" sz="5400" b="1" dirty="0"/>
+              <a:t> </a:t>
+            </a:r>
+            <a:r>
+              <a:rPr lang="en-GB" sz="5400" b="1" dirty="0" err="1"/>
+              <a:t>koa</a:t>
+            </a:r>
+            <a:r>
+              <a:rPr lang="en-GB" sz="5400" b="1" dirty="0"/>
+              <a:t> </a:t>
+            </a:r>
+            <a:r>
+              <a:rPr lang="en-GB" sz="5400" b="1" dirty="0" err="1"/>
               <a:t>ny</a:t>
             </a:r>
             <a:r>
-              <a:rPr lang="en-GB" sz="4800" b="1" dirty="0"/>
-              <a:t> </a:t>
-            </a:r>
-            <a:r>
-              <a:rPr lang="en-GB" sz="4800" b="1" dirty="0" err="1"/>
-              <a:t>asanao</a:t>
-            </a:r>
-            <a:r>
-              <a:rPr lang="en-GB" sz="4800" b="1" dirty="0"/>
-              <a:t> ;</a:t>
-            </a:r>
-            <a:r>
-              <a:rPr lang="fr-FR" sz="4800" b="1" dirty="0"/>
+              <a:rPr lang="en-GB" sz="5400" b="1" dirty="0"/>
+              <a:t> </a:t>
+            </a:r>
+            <a:r>
+              <a:rPr lang="en-GB" sz="5400" b="1" dirty="0" err="1"/>
+              <a:t>tongotro</a:t>
+            </a:r>
+            <a:r>
+              <a:rPr lang="fr-FR" sz="5400" b="1" dirty="0"/>
               <a:t/>
             </a:r>
             <a:br>
-              <a:rPr lang="fr-FR" sz="4800" b="1" dirty="0"/>
+              <a:rPr lang="fr-FR" sz="5400" b="1" dirty="0"/>
             </a:br>
             <a:r>
-              <a:rPr lang="en-GB" sz="4800" b="1" dirty="0"/>
-              <a:t>   </a:t>
-            </a:r>
-            <a:r>
-              <a:rPr lang="en-GB" sz="4800" b="1" dirty="0" err="1"/>
-              <a:t>Raiso</a:t>
-            </a:r>
-            <a:r>
-              <a:rPr lang="en-GB" sz="4800" b="1" dirty="0"/>
-              <a:t> </a:t>
-            </a:r>
-            <a:r>
-              <a:rPr lang="en-GB" sz="4800" b="1" dirty="0" err="1"/>
-              <a:t>koa</a:t>
-            </a:r>
-            <a:r>
-              <a:rPr lang="en-GB" sz="4800" b="1" dirty="0"/>
-              <a:t> </a:t>
-            </a:r>
-            <a:r>
-              <a:rPr lang="en-GB" sz="4800" b="1" dirty="0" err="1"/>
-              <a:t>ny</a:t>
-            </a:r>
-            <a:r>
-              <a:rPr lang="en-GB" sz="4800" b="1" dirty="0"/>
-              <a:t> </a:t>
-            </a:r>
-            <a:r>
-              <a:rPr lang="en-GB" sz="4800" b="1" dirty="0" err="1"/>
-              <a:t>tongotro</a:t>
-            </a:r>
-            <a:r>
-              <a:rPr lang="fr-FR" sz="4800" b="1" dirty="0"/>
-              <a:t/>
-            </a:r>
-            <a:br>
-              <a:rPr lang="fr-FR" sz="4800" b="1" dirty="0"/>
-            </a:br>
-            <a:r>
-              <a:rPr lang="en-GB" sz="4800" b="1" dirty="0"/>
+              <a:rPr lang="en-GB" sz="5400" b="1" dirty="0"/>
               <a:t>   Ho </a:t>
             </a:r>
             <a:r>
-              <a:rPr lang="en-GB" sz="4800" b="1" dirty="0" err="1"/>
+              <a:rPr lang="en-GB" sz="5400" b="1" dirty="0" err="1"/>
               <a:t>fanirakirakao</a:t>
             </a:r>
             <a:r>
-              <a:rPr lang="en-GB" sz="4800" b="1" dirty="0"/>
+              <a:rPr lang="en-GB" sz="5400" b="1" dirty="0"/>
               <a:t>.</a:t>
             </a:r>
-            <a:endParaRPr lang="fr-FR" sz="4800" b="1" dirty="0"/>
+            <a:endParaRPr lang="fr-FR" sz="5400" b="1" dirty="0"/>
           </a:p>
         </p:txBody>
       </p:sp>
     </p:spTree>
+    <p:extLst>
+      <p:ext uri="{BB962C8B-B14F-4D97-AF65-F5344CB8AC3E}">
+        <p14:creationId xmlns:p14="http://schemas.microsoft.com/office/powerpoint/2010/main" val="3815550172"/>
+      </p:ext>
+    </p:extLst>
   </p:cSld>
   <p:clrMapOvr>
     <a:masterClrMapping/>
   </p:clrMapOvr>
+  <p:transition spd="slow">
+    <p:random/>
+  </p:transition>
+  <p:timing>
+    <p:tnLst>
+      <p:par>
+        <p:cTn id="1" dur="indefinite" restart="never" nodeType="tmRoot"/>
+      </p:par>
+    </p:tnLst>
+  </p:timing>
 </p:sld>
 </file>
 
@@ -3494,172 +3541,190 @@
             <p:ph type="ctrTitle"/>
           </p:nvPr>
         </p:nvSpPr>
-        <p:spPr/>
-        <p:txBody>
-          <a:bodyPr>
+        <p:spPr>
+          <a:xfrm>
+            <a:off x="1143000" y="1901280"/>
+            <a:ext cx="6858000" cy="1102519"/>
+          </a:xfrm>
+        </p:spPr>
+        <p:txBody>
+          <a:bodyPr vert="horz" lIns="68580" tIns="34290" rIns="68580" bIns="34290" rtlCol="0" anchor="ctr">
             <a:noAutofit/>
           </a:bodyPr>
           <a:lstStyle/>
           <a:p>
-            <a:pPr>
-              <a:lnSpc>
-                <a:spcPct val="150000"/>
-              </a:lnSpc>
-            </a:pPr>
-            <a:r>
-              <a:rPr lang="en-GB" sz="4800" b="1" dirty="0"/>
+            <a:r>
+              <a:rPr lang="en-GB" sz="5400" b="1" dirty="0"/>
               <a:t>3 </a:t>
             </a:r>
             <a:r>
-              <a:rPr lang="en-GB" sz="4800" b="1" dirty="0" err="1"/>
+              <a:rPr lang="en-GB" sz="5400" b="1" dirty="0" err="1"/>
               <a:t>Raiso</a:t>
             </a:r>
             <a:r>
-              <a:rPr lang="en-GB" sz="4800" b="1" dirty="0"/>
-              <a:t> </a:t>
-            </a:r>
-            <a:r>
-              <a:rPr lang="en-GB" sz="4800" b="1" dirty="0" err="1"/>
+              <a:rPr lang="en-GB" sz="5400" b="1" dirty="0"/>
+              <a:t> </a:t>
+            </a:r>
+            <a:r>
+              <a:rPr lang="en-GB" sz="5400" b="1" dirty="0" err="1"/>
               <a:t>ny</a:t>
             </a:r>
             <a:r>
-              <a:rPr lang="en-GB" sz="4800" b="1" dirty="0"/>
-              <a:t> </a:t>
-            </a:r>
-            <a:r>
-              <a:rPr lang="en-GB" sz="4800" b="1" dirty="0" err="1"/>
+              <a:rPr lang="en-GB" sz="5400" b="1" dirty="0"/>
+              <a:t> </a:t>
+            </a:r>
+            <a:r>
+              <a:rPr lang="en-GB" sz="5400" b="1" dirty="0" err="1"/>
               <a:t>fahaizako</a:t>
             </a:r>
             <a:r>
-              <a:rPr lang="en-GB" sz="4800" b="1" dirty="0"/>
+              <a:rPr lang="en-GB" sz="5400" b="1" dirty="0"/>
               <a:t>,</a:t>
             </a:r>
             <a:r>
-              <a:rPr lang="fr-FR" sz="4800" b="1" dirty="0"/>
+              <a:rPr lang="fr-FR" sz="5400" b="1" dirty="0"/>
               <a:t/>
             </a:r>
             <a:br>
-              <a:rPr lang="fr-FR" sz="4800" b="1" dirty="0"/>
+              <a:rPr lang="fr-FR" sz="5400" b="1" dirty="0"/>
             </a:br>
             <a:r>
-              <a:rPr lang="en-GB" sz="4800" b="1" dirty="0"/>
+              <a:rPr lang="en-GB" sz="5400" b="1" dirty="0" err="1"/>
+              <a:t>Ento</a:t>
+            </a:r>
+            <a:r>
+              <a:rPr lang="en-GB" sz="5400" b="1" dirty="0"/>
+              <a:t> </a:t>
+            </a:r>
+            <a:r>
+              <a:rPr lang="en-GB" sz="5400" b="1" dirty="0" err="1"/>
+              <a:t>mba</a:t>
+            </a:r>
+            <a:r>
+              <a:rPr lang="en-GB" sz="5400" b="1" dirty="0"/>
+              <a:t> </a:t>
+            </a:r>
+            <a:r>
+              <a:rPr lang="en-GB" sz="5400" b="1" dirty="0"/>
+              <a:t/>
+            </a:r>
+            <a:br>
+              <a:rPr lang="en-GB" sz="5400" b="1" dirty="0"/>
+            </a:br>
+            <a:r>
+              <a:rPr lang="en-GB" sz="5400" b="1" dirty="0" err="1"/>
+              <a:t>hanaja</a:t>
+            </a:r>
+            <a:r>
+              <a:rPr lang="en-GB" sz="5400" b="1" dirty="0"/>
+              <a:t> </a:t>
+            </a:r>
+            <a:r>
+              <a:rPr lang="en-GB" sz="5400" b="1" dirty="0" err="1"/>
+              <a:t>Anao</a:t>
+            </a:r>
+            <a:r>
+              <a:rPr lang="en-GB" sz="5400" b="1" dirty="0"/>
+              <a:t> ;</a:t>
+            </a:r>
+            <a:r>
+              <a:rPr lang="fr-FR" sz="5400" b="1" dirty="0"/>
+              <a:t/>
+            </a:r>
+            <a:br>
+              <a:rPr lang="fr-FR" sz="5400" b="1" dirty="0"/>
+            </a:br>
+            <a:r>
+              <a:rPr lang="en-GB" sz="5400" b="1" dirty="0"/>
               <a:t>   </a:t>
             </a:r>
             <a:r>
-              <a:rPr lang="en-GB" sz="4800" b="1" dirty="0" err="1"/>
-              <a:t>Ento</a:t>
-            </a:r>
-            <a:r>
-              <a:rPr lang="en-GB" sz="4800" b="1" dirty="0"/>
-              <a:t> </a:t>
-            </a:r>
-            <a:r>
-              <a:rPr lang="en-GB" sz="4800" b="1" dirty="0" err="1"/>
-              <a:t>mba</a:t>
-            </a:r>
-            <a:r>
-              <a:rPr lang="en-GB" sz="4800" b="1" dirty="0"/>
-              <a:t> </a:t>
-            </a:r>
-            <a:r>
-              <a:rPr lang="en-GB" sz="4800" b="1" dirty="0" err="1"/>
-              <a:t>hanaja</a:t>
-            </a:r>
-            <a:r>
-              <a:rPr lang="en-GB" sz="4800" b="1" dirty="0"/>
-              <a:t> </a:t>
-            </a:r>
-            <a:r>
-              <a:rPr lang="en-GB" sz="4800" b="1" dirty="0" err="1"/>
+              <a:rPr lang="en-GB" sz="5400" b="1" dirty="0" err="1"/>
+              <a:t>Raiso</a:t>
+            </a:r>
+            <a:r>
+              <a:rPr lang="en-GB" sz="5400" b="1" dirty="0"/>
+              <a:t> </a:t>
+            </a:r>
+            <a:r>
+              <a:rPr lang="en-GB" sz="5400" b="1" dirty="0" err="1"/>
+              <a:t>koa</a:t>
+            </a:r>
+            <a:r>
+              <a:rPr lang="en-GB" sz="5400" b="1" dirty="0"/>
+              <a:t> </a:t>
+            </a:r>
+            <a:r>
+              <a:rPr lang="en-GB" sz="5400" b="1" dirty="0" err="1"/>
+              <a:t>ny</a:t>
+            </a:r>
+            <a:r>
+              <a:rPr lang="en-GB" sz="5400" b="1" dirty="0"/>
+              <a:t> </a:t>
+            </a:r>
+            <a:r>
+              <a:rPr lang="en-GB" sz="5400" b="1" dirty="0" err="1"/>
+              <a:t>volako</a:t>
+            </a:r>
+            <a:r>
+              <a:rPr lang="fr-FR" sz="5400" b="1" dirty="0"/>
+              <a:t/>
+            </a:r>
+            <a:br>
+              <a:rPr lang="fr-FR" sz="5400" b="1" dirty="0"/>
+            </a:br>
+            <a:r>
+              <a:rPr lang="en-GB" sz="5400" b="1" dirty="0"/>
+              <a:t>   Ho </a:t>
+            </a:r>
+            <a:r>
+              <a:rPr lang="en-GB" sz="5400" b="1" dirty="0" err="1"/>
               <a:t>Anao</a:t>
             </a:r>
             <a:r>
-              <a:rPr lang="en-GB" sz="4800" b="1" dirty="0"/>
-              <a:t> ;</a:t>
-            </a:r>
-            <a:r>
-              <a:rPr lang="fr-FR" sz="4800" b="1" dirty="0"/>
-              <a:t/>
-            </a:r>
-            <a:br>
-              <a:rPr lang="fr-FR" sz="4800" b="1" dirty="0"/>
-            </a:br>
-            <a:r>
-              <a:rPr lang="en-GB" sz="4800" b="1" dirty="0"/>
-              <a:t>   </a:t>
-            </a:r>
-            <a:r>
-              <a:rPr lang="en-GB" sz="4800" b="1" dirty="0" err="1"/>
-              <a:t>Raiso</a:t>
-            </a:r>
-            <a:r>
-              <a:rPr lang="en-GB" sz="4800" b="1" dirty="0"/>
-              <a:t> </a:t>
-            </a:r>
-            <a:r>
-              <a:rPr lang="en-GB" sz="4800" b="1" dirty="0" err="1"/>
-              <a:t>koa</a:t>
-            </a:r>
-            <a:r>
-              <a:rPr lang="en-GB" sz="4800" b="1" dirty="0"/>
-              <a:t> </a:t>
-            </a:r>
-            <a:r>
-              <a:rPr lang="en-GB" sz="4800" b="1" dirty="0" err="1"/>
-              <a:t>ny</a:t>
-            </a:r>
-            <a:r>
-              <a:rPr lang="en-GB" sz="4800" b="1" dirty="0"/>
-              <a:t> </a:t>
-            </a:r>
-            <a:r>
-              <a:rPr lang="en-GB" sz="4800" b="1" dirty="0" err="1"/>
-              <a:t>volako</a:t>
-            </a:r>
-            <a:r>
-              <a:rPr lang="fr-FR" sz="4800" b="1" dirty="0"/>
-              <a:t/>
-            </a:r>
-            <a:br>
-              <a:rPr lang="fr-FR" sz="4800" b="1" dirty="0"/>
-            </a:br>
-            <a:r>
-              <a:rPr lang="en-GB" sz="4800" b="1" dirty="0"/>
-              <a:t>   Ho </a:t>
-            </a:r>
-            <a:r>
-              <a:rPr lang="en-GB" sz="4800" b="1" dirty="0" err="1"/>
-              <a:t>Anao</a:t>
-            </a:r>
-            <a:r>
-              <a:rPr lang="en-GB" sz="4800" b="1" dirty="0"/>
-              <a:t> </a:t>
-            </a:r>
-            <a:r>
-              <a:rPr lang="en-GB" sz="4800" b="1" dirty="0" err="1"/>
+              <a:rPr lang="en-GB" sz="5400" b="1" dirty="0"/>
+              <a:t> </a:t>
+            </a:r>
+            <a:r>
+              <a:rPr lang="en-GB" sz="5400" b="1" dirty="0" err="1"/>
               <a:t>tokoa</a:t>
             </a:r>
             <a:r>
-              <a:rPr lang="en-GB" sz="4800" b="1" dirty="0"/>
-              <a:t> </a:t>
-            </a:r>
-            <a:r>
-              <a:rPr lang="en-GB" sz="4800" b="1" dirty="0" err="1"/>
+              <a:rPr lang="en-GB" sz="5400" b="1" dirty="0"/>
+              <a:t> </a:t>
+            </a:r>
+            <a:r>
+              <a:rPr lang="en-GB" sz="5400" b="1" dirty="0" err="1"/>
               <a:t>izao</a:t>
             </a:r>
             <a:r>
-              <a:rPr lang="en-GB" sz="4800" b="1" dirty="0"/>
+              <a:rPr lang="en-GB" sz="5400" b="1" dirty="0"/>
               <a:t>.</a:t>
             </a:r>
-            <a:endParaRPr lang="fr-FR" sz="4800" b="1" dirty="0"/>
+            <a:endParaRPr lang="fr-FR" sz="5400" b="1" dirty="0"/>
           </a:p>
         </p:txBody>
       </p:sp>
     </p:spTree>
+    <p:extLst>
+      <p:ext uri="{BB962C8B-B14F-4D97-AF65-F5344CB8AC3E}">
+        <p14:creationId xmlns:p14="http://schemas.microsoft.com/office/powerpoint/2010/main" val="3086423325"/>
+      </p:ext>
+    </p:extLst>
   </p:cSld>
   <p:clrMapOvr>
     <a:masterClrMapping/>
   </p:clrMapOvr>
+  <p:transition spd="slow">
+    <p:random/>
+  </p:transition>
+  <p:timing>
+    <p:tnLst>
+      <p:par>
+        <p:cTn id="1" dur="indefinite" restart="never" nodeType="tmRoot"/>
+      </p:par>
+    </p:tnLst>
+  </p:timing>
 </p:sld>
 </file>
 
@@ -3690,152 +3755,162 @@
             <p:ph type="ctrTitle"/>
           </p:nvPr>
         </p:nvSpPr>
-        <p:spPr/>
-        <p:txBody>
-          <a:bodyPr>
+        <p:spPr>
+          <a:xfrm>
+            <a:off x="1143000" y="2063298"/>
+            <a:ext cx="6858000" cy="1102519"/>
+          </a:xfrm>
+        </p:spPr>
+        <p:txBody>
+          <a:bodyPr vert="horz" lIns="68580" tIns="34290" rIns="68580" bIns="34290" rtlCol="0" anchor="ctr">
             <a:noAutofit/>
           </a:bodyPr>
           <a:lstStyle/>
           <a:p>
-            <a:pPr>
-              <a:lnSpc>
-                <a:spcPct val="150000"/>
-              </a:lnSpc>
-            </a:pPr>
-            <a:r>
-              <a:rPr lang="en-GB" sz="4800" b="1" dirty="0"/>
+            <a:r>
+              <a:rPr lang="en-GB" sz="5400" b="1" dirty="0"/>
               <a:t>4 </a:t>
             </a:r>
             <a:r>
-              <a:rPr lang="en-GB" sz="4800" b="1" dirty="0" err="1"/>
+              <a:rPr lang="en-GB" sz="5400" b="1" dirty="0" err="1"/>
               <a:t>Raiso</a:t>
             </a:r>
             <a:r>
-              <a:rPr lang="en-GB" sz="4800" b="1" dirty="0"/>
+              <a:rPr lang="en-GB" sz="5400" b="1" dirty="0"/>
               <a:t> re </a:t>
             </a:r>
             <a:r>
-              <a:rPr lang="en-GB" sz="4800" b="1" dirty="0" err="1"/>
+              <a:rPr lang="en-GB" sz="5400" b="1" dirty="0" err="1"/>
               <a:t>ny</a:t>
             </a:r>
             <a:r>
-              <a:rPr lang="en-GB" sz="4800" b="1" dirty="0"/>
-              <a:t> </a:t>
-            </a:r>
-            <a:r>
-              <a:rPr lang="en-GB" sz="4800" b="1" dirty="0" err="1"/>
+              <a:rPr lang="en-GB" sz="5400" b="1" dirty="0"/>
+              <a:t> </a:t>
+            </a:r>
+            <a:r>
+              <a:rPr lang="en-GB" sz="5400" b="1" dirty="0" err="1"/>
               <a:t>vavako</a:t>
             </a:r>
             <a:r>
-              <a:rPr lang="fr-FR" sz="4800" b="1" dirty="0"/>
+              <a:rPr lang="fr-FR" sz="5400" b="1" dirty="0"/>
               <a:t/>
             </a:r>
             <a:br>
-              <a:rPr lang="fr-FR" sz="4800" b="1" dirty="0"/>
+              <a:rPr lang="fr-FR" sz="5400" b="1" dirty="0"/>
             </a:br>
             <a:r>
-              <a:rPr lang="en-GB" sz="4800" b="1" dirty="0"/>
-              <a:t>   </a:t>
-            </a:r>
-            <a:r>
-              <a:rPr lang="en-GB" sz="4800" b="1" dirty="0" err="1"/>
+              <a:rPr lang="en-GB" sz="5400" b="1" dirty="0" err="1"/>
               <a:t>Hampiseho</a:t>
             </a:r>
             <a:r>
-              <a:rPr lang="en-GB" sz="4800" b="1" dirty="0"/>
-              <a:t> </a:t>
-            </a:r>
-            <a:r>
-              <a:rPr lang="en-GB" sz="4800" b="1" dirty="0" err="1"/>
+              <a:rPr lang="en-GB" sz="5400" b="1" dirty="0"/>
+              <a:t> </a:t>
+            </a:r>
+            <a:br>
+              <a:rPr lang="en-GB" sz="5400" b="1" dirty="0"/>
+            </a:br>
+            <a:r>
+              <a:rPr lang="en-GB" sz="5400" b="1" dirty="0" err="1"/>
               <a:t>ny</a:t>
             </a:r>
             <a:r>
-              <a:rPr lang="en-GB" sz="4800" b="1" dirty="0"/>
-              <a:t> </a:t>
-            </a:r>
-            <a:r>
-              <a:rPr lang="en-GB" sz="4800" b="1" dirty="0" err="1"/>
+              <a:rPr lang="en-GB" sz="5400" b="1" dirty="0"/>
+              <a:t> </a:t>
+            </a:r>
+            <a:r>
+              <a:rPr lang="en-GB" sz="5400" b="1" dirty="0" err="1"/>
               <a:t>hafatrao</a:t>
             </a:r>
             <a:r>
-              <a:rPr lang="en-GB" sz="4800" b="1" dirty="0"/>
+              <a:rPr lang="en-GB" sz="5400" b="1" dirty="0"/>
               <a:t> ;</a:t>
             </a:r>
             <a:r>
-              <a:rPr lang="fr-FR" sz="4800" b="1" dirty="0"/>
+              <a:rPr lang="fr-FR" sz="5400" b="1" dirty="0"/>
               <a:t/>
             </a:r>
             <a:br>
-              <a:rPr lang="fr-FR" sz="4800" b="1" dirty="0"/>
+              <a:rPr lang="fr-FR" sz="5400" b="1" dirty="0"/>
             </a:br>
             <a:r>
-              <a:rPr lang="en-GB" sz="4800" b="1" dirty="0"/>
-              <a:t>   </a:t>
-            </a:r>
-            <a:r>
-              <a:rPr lang="en-GB" sz="4800" b="1" dirty="0" err="1"/>
+              <a:rPr lang="en-GB" sz="5400" b="1" dirty="0" err="1"/>
               <a:t>Raiso</a:t>
             </a:r>
             <a:r>
-              <a:rPr lang="en-GB" sz="4800" b="1" dirty="0"/>
-              <a:t> </a:t>
-            </a:r>
-            <a:r>
-              <a:rPr lang="en-GB" sz="4800" b="1" dirty="0" err="1"/>
+              <a:rPr lang="en-GB" sz="5400" b="1" dirty="0"/>
+              <a:t> </a:t>
+            </a:r>
+            <a:r>
+              <a:rPr lang="en-GB" sz="5400" b="1" dirty="0" err="1"/>
               <a:t>koa</a:t>
             </a:r>
             <a:r>
-              <a:rPr lang="en-GB" sz="4800" b="1" dirty="0"/>
-              <a:t> </a:t>
-            </a:r>
-            <a:r>
-              <a:rPr lang="en-GB" sz="4800" b="1" dirty="0" err="1"/>
+              <a:rPr lang="en-GB" sz="5400" b="1" dirty="0"/>
+              <a:t> </a:t>
+            </a:r>
+            <a:r>
+              <a:rPr lang="en-GB" sz="5400" b="1" dirty="0" err="1"/>
               <a:t>ny</a:t>
             </a:r>
             <a:r>
-              <a:rPr lang="en-GB" sz="4800" b="1" dirty="0"/>
-              <a:t> </a:t>
-            </a:r>
-            <a:r>
-              <a:rPr lang="en-GB" sz="4800" b="1" dirty="0" err="1"/>
+              <a:rPr lang="en-GB" sz="5400" b="1" dirty="0"/>
+              <a:t> </a:t>
+            </a:r>
+            <a:r>
+              <a:rPr lang="en-GB" sz="5400" b="1" dirty="0" err="1"/>
               <a:t>feoko</a:t>
             </a:r>
             <a:r>
-              <a:rPr lang="fr-FR" sz="4800" b="1" dirty="0"/>
+              <a:rPr lang="fr-FR" sz="5400" b="1" dirty="0"/>
               <a:t/>
             </a:r>
             <a:br>
-              <a:rPr lang="fr-FR" sz="4800" b="1" dirty="0"/>
+              <a:rPr lang="fr-FR" sz="5400" b="1" dirty="0"/>
             </a:br>
             <a:r>
-              <a:rPr lang="en-GB" sz="4800" b="1" dirty="0"/>
+              <a:rPr lang="en-GB" sz="5400" b="1" dirty="0"/>
               <a:t>   Ho </a:t>
             </a:r>
             <a:r>
-              <a:rPr lang="en-GB" sz="4800" b="1" dirty="0" err="1"/>
+              <a:rPr lang="en-GB" sz="5400" b="1" dirty="0" err="1"/>
               <a:t>mpanandratra</a:t>
             </a:r>
             <a:r>
-              <a:rPr lang="en-GB" sz="4800" b="1" dirty="0"/>
-              <a:t> </a:t>
-            </a:r>
-            <a:r>
-              <a:rPr lang="en-GB" sz="4800" b="1" dirty="0" err="1"/>
+              <a:rPr lang="en-GB" sz="5400" b="1" dirty="0"/>
+              <a:t> </a:t>
+            </a:r>
+            <a:r>
+              <a:rPr lang="en-GB" sz="5400" b="1" dirty="0" err="1"/>
               <a:t>Anao</a:t>
             </a:r>
             <a:r>
-              <a:rPr lang="en-GB" sz="4800" b="1" dirty="0"/>
+              <a:rPr lang="en-GB" sz="5400" b="1" dirty="0"/>
               <a:t>.</a:t>
             </a:r>
-            <a:endParaRPr lang="fr-FR" sz="4800" b="1" dirty="0"/>
+            <a:endParaRPr lang="fr-FR" sz="5400" b="1" dirty="0"/>
           </a:p>
         </p:txBody>
       </p:sp>
     </p:spTree>
+    <p:extLst>
+      <p:ext uri="{BB962C8B-B14F-4D97-AF65-F5344CB8AC3E}">
+        <p14:creationId xmlns:p14="http://schemas.microsoft.com/office/powerpoint/2010/main" val="4219720909"/>
+      </p:ext>
+    </p:extLst>
   </p:cSld>
   <p:clrMapOvr>
     <a:masterClrMapping/>
   </p:clrMapOvr>
+  <p:transition spd="slow">
+    <p:random/>
+  </p:transition>
+  <p:timing>
+    <p:tnLst>
+      <p:par>
+        <p:cTn id="1" dur="indefinite" restart="never" nodeType="tmRoot"/>
+      </p:par>
+    </p:tnLst>
+  </p:timing>
 </p:sld>
 </file>
 
@@ -3866,148 +3941,167 @@
             <p:ph type="ctrTitle"/>
           </p:nvPr>
         </p:nvSpPr>
-        <p:spPr/>
-        <p:txBody>
-          <a:bodyPr>
+        <p:spPr>
+          <a:xfrm>
+            <a:off x="1143000" y="1901280"/>
+            <a:ext cx="6858000" cy="1102519"/>
+          </a:xfrm>
+        </p:spPr>
+        <p:txBody>
+          <a:bodyPr vert="horz" lIns="68580" tIns="34290" rIns="68580" bIns="34290" rtlCol="0" anchor="ctr">
             <a:noAutofit/>
           </a:bodyPr>
           <a:lstStyle/>
           <a:p>
-            <a:pPr>
-              <a:lnSpc>
-                <a:spcPct val="150000"/>
-              </a:lnSpc>
-            </a:pPr>
-            <a:r>
-              <a:rPr lang="en-GB" sz="4800" b="1" dirty="0"/>
+            <a:r>
+              <a:rPr lang="en-GB" sz="5400" b="1" dirty="0"/>
               <a:t>5 </a:t>
             </a:r>
             <a:r>
-              <a:rPr lang="en-GB" sz="4800" b="1" dirty="0" err="1"/>
+              <a:rPr lang="en-GB" sz="5400" b="1" dirty="0" err="1"/>
               <a:t>Raiso</a:t>
             </a:r>
             <a:r>
-              <a:rPr lang="en-GB" sz="4800" b="1" dirty="0"/>
-              <a:t> </a:t>
-            </a:r>
-            <a:r>
-              <a:rPr lang="en-GB" sz="4800" b="1" dirty="0" err="1"/>
+              <a:rPr lang="en-GB" sz="5400" b="1" dirty="0"/>
+              <a:t> </a:t>
+            </a:r>
+            <a:r>
+              <a:rPr lang="en-GB" sz="5400" b="1" dirty="0" err="1"/>
               <a:t>ny</a:t>
             </a:r>
             <a:r>
-              <a:rPr lang="en-GB" sz="4800" b="1" dirty="0"/>
-              <a:t> </a:t>
-            </a:r>
-            <a:r>
-              <a:rPr lang="en-GB" sz="4800" b="1" dirty="0" err="1"/>
+              <a:rPr lang="en-GB" sz="5400" b="1" dirty="0"/>
+              <a:t> </a:t>
+            </a:r>
+            <a:r>
+              <a:rPr lang="en-GB" sz="5400" b="1" dirty="0" err="1"/>
               <a:t>fanahiko</a:t>
             </a:r>
             <a:r>
-              <a:rPr lang="fr-FR" sz="4800" b="1" dirty="0"/>
+              <a:rPr lang="fr-FR" sz="5400" b="1" dirty="0"/>
               <a:t/>
             </a:r>
             <a:br>
-              <a:rPr lang="fr-FR" sz="4800" b="1" dirty="0"/>
+              <a:rPr lang="fr-FR" sz="5400" b="1" dirty="0"/>
             </a:br>
             <a:r>
-              <a:rPr lang="en-GB" sz="4800" b="1" dirty="0"/>
-              <a:t>   </a:t>
-            </a:r>
-            <a:r>
-              <a:rPr lang="en-GB" sz="4800" b="1" dirty="0" err="1"/>
+              <a:rPr lang="en-GB" sz="5400" b="1" dirty="0" err="1"/>
               <a:t>Diovy</a:t>
             </a:r>
             <a:r>
-              <a:rPr lang="en-GB" sz="4800" b="1" dirty="0"/>
-              <a:t> ho </a:t>
-            </a:r>
-            <a:r>
-              <a:rPr lang="en-GB" sz="4800" b="1" dirty="0" err="1"/>
+              <a:rPr lang="en-GB" sz="5400" b="1" dirty="0"/>
+              <a:t> </a:t>
+            </a:r>
+            <a:r>
+              <a:rPr lang="en-GB" sz="5400" b="1" dirty="0" err="1"/>
+              <a:t>ho</a:t>
+            </a:r>
+            <a:r>
+              <a:rPr lang="en-GB" sz="5400" b="1" dirty="0"/>
+              <a:t> </a:t>
+            </a:r>
+            <a:r>
+              <a:rPr lang="en-GB" sz="5400" b="1" dirty="0" err="1"/>
               <a:t>tempolinao</a:t>
             </a:r>
             <a:r>
-              <a:rPr lang="en-GB" sz="4800" b="1" dirty="0"/>
-              <a:t> ;</a:t>
-            </a:r>
-            <a:r>
-              <a:rPr lang="fr-FR" sz="4800" b="1" dirty="0"/>
+              <a:rPr lang="en-GB" sz="5400" b="1" dirty="0"/>
+              <a:t> </a:t>
+            </a:r>
+            <a:r>
+              <a:rPr lang="en-GB" sz="5400" b="1" dirty="0"/>
+              <a:t>;</a:t>
+            </a:r>
+            <a:r>
+              <a:rPr lang="fr-FR" sz="5400" b="1" dirty="0"/>
               <a:t/>
             </a:r>
             <a:br>
-              <a:rPr lang="fr-FR" sz="4800" b="1" dirty="0"/>
+              <a:rPr lang="fr-FR" sz="5400" b="1" dirty="0"/>
             </a:br>
             <a:r>
-              <a:rPr lang="en-GB" sz="4800" b="1" dirty="0"/>
-              <a:t>   </a:t>
-            </a:r>
-            <a:r>
-              <a:rPr lang="en-GB" sz="4800" b="1" dirty="0" err="1"/>
+              <a:rPr lang="en-GB" sz="5400" b="1" dirty="0" err="1"/>
               <a:t>Raiso</a:t>
             </a:r>
             <a:r>
-              <a:rPr lang="en-GB" sz="4800" b="1" dirty="0"/>
-              <a:t> </a:t>
-            </a:r>
-            <a:r>
-              <a:rPr lang="en-GB" sz="4800" b="1" dirty="0" err="1"/>
+              <a:rPr lang="en-GB" sz="5400" b="1" dirty="0"/>
+              <a:t> </a:t>
+            </a:r>
+            <a:r>
+              <a:rPr lang="en-GB" sz="5400" b="1" dirty="0" err="1"/>
               <a:t>aho</a:t>
             </a:r>
             <a:r>
-              <a:rPr lang="en-GB" sz="4800" b="1" dirty="0"/>
+              <a:rPr lang="en-GB" sz="5400" b="1" dirty="0"/>
               <a:t>, </a:t>
             </a:r>
             <a:r>
-              <a:rPr lang="en-GB" sz="4800" b="1" dirty="0" err="1"/>
+              <a:rPr lang="en-GB" sz="5400" b="1" dirty="0" err="1"/>
               <a:t>Tompo</a:t>
             </a:r>
             <a:r>
-              <a:rPr lang="en-GB" sz="4800" b="1" dirty="0"/>
+              <a:rPr lang="en-GB" sz="5400" b="1" dirty="0"/>
               <a:t> ô !</a:t>
             </a:r>
             <a:r>
-              <a:rPr lang="fr-FR" sz="4800" b="1" dirty="0"/>
+              <a:rPr lang="fr-FR" sz="5400" b="1" dirty="0"/>
               <a:t/>
             </a:r>
             <a:br>
-              <a:rPr lang="fr-FR" sz="4800" b="1" dirty="0"/>
+              <a:rPr lang="fr-FR" sz="5400" b="1" dirty="0"/>
             </a:br>
             <a:r>
-              <a:rPr lang="en-GB" sz="4800" b="1" dirty="0"/>
+              <a:rPr lang="en-GB" sz="5400" b="1" dirty="0"/>
               <a:t>   Ho </a:t>
             </a:r>
             <a:r>
-              <a:rPr lang="en-GB" sz="4800" b="1" dirty="0" err="1"/>
+              <a:rPr lang="en-GB" sz="5400" b="1" dirty="0" err="1"/>
               <a:t>Anao</a:t>
             </a:r>
             <a:r>
-              <a:rPr lang="en-GB" sz="4800" b="1" dirty="0"/>
-              <a:t> </a:t>
-            </a:r>
-            <a:r>
-              <a:rPr lang="en-GB" sz="4800" b="1" dirty="0" err="1"/>
+              <a:rPr lang="en-GB" sz="5400" b="1" dirty="0"/>
+              <a:t> </a:t>
+            </a:r>
+            <a:r>
+              <a:rPr lang="en-GB" sz="5400" b="1" dirty="0" err="1"/>
               <a:t>mihitsy</a:t>
             </a:r>
             <a:r>
-              <a:rPr lang="en-GB" sz="4800" b="1" dirty="0"/>
-              <a:t> </a:t>
-            </a:r>
-            <a:r>
-              <a:rPr lang="en-GB" sz="4800" b="1" dirty="0" err="1"/>
+              <a:rPr lang="en-GB" sz="5400" b="1" dirty="0"/>
+              <a:t> </a:t>
+            </a:r>
+            <a:r>
+              <a:rPr lang="en-GB" sz="5400" b="1" dirty="0" err="1"/>
               <a:t>izao</a:t>
             </a:r>
             <a:r>
-              <a:rPr lang="en-GB" sz="4800" b="1" dirty="0"/>
+              <a:rPr lang="en-GB" sz="5400" b="1" dirty="0"/>
               <a:t>.</a:t>
             </a:r>
-            <a:endParaRPr lang="fr-FR" sz="4800" b="1" dirty="0"/>
+            <a:endParaRPr lang="fr-FR" sz="5400" b="1" dirty="0"/>
           </a:p>
         </p:txBody>
       </p:sp>
     </p:spTree>
+    <p:extLst>
+      <p:ext uri="{BB962C8B-B14F-4D97-AF65-F5344CB8AC3E}">
+        <p14:creationId xmlns:p14="http://schemas.microsoft.com/office/powerpoint/2010/main" val="1548836985"/>
+      </p:ext>
+    </p:extLst>
   </p:cSld>
   <p:clrMapOvr>
     <a:masterClrMapping/>
   </p:clrMapOvr>
+  <p:transition spd="slow">
+    <p:random/>
+  </p:transition>
+  <p:timing>
+    <p:tnLst>
+      <p:par>
+        <p:cTn id="1" dur="indefinite" restart="never" nodeType="tmRoot"/>
+      </p:par>
+    </p:tnLst>
+  </p:timing>
 </p:sld>
 </file>
 
@@ -4040,175 +4134,180 @@
         </p:nvSpPr>
         <p:spPr>
           <a:xfrm>
-            <a:off x="685800" y="1005577"/>
-            <a:ext cx="7772400" cy="2700300"/>
+            <a:off x="1143000" y="1518633"/>
+            <a:ext cx="6858000" cy="2025225"/>
           </a:xfrm>
         </p:spPr>
         <p:txBody>
-          <a:bodyPr>
+          <a:bodyPr vert="horz" lIns="68580" tIns="34290" rIns="68580" bIns="34290" rtlCol="0" anchor="ctr">
             <a:noAutofit/>
           </a:bodyPr>
           <a:lstStyle/>
           <a:p>
-            <a:pPr algn="l">
-              <a:lnSpc>
-                <a:spcPct val="150000"/>
-              </a:lnSpc>
-            </a:pPr>
-            <a:r>
-              <a:rPr lang="en-GB" sz="4800" b="1" dirty="0"/>
+            <a:r>
+              <a:rPr lang="en-GB" sz="5400" b="1" dirty="0"/>
               <a:t>6 Ho </a:t>
             </a:r>
             <a:r>
-              <a:rPr lang="en-GB" sz="4800" b="1" dirty="0" err="1"/>
+              <a:rPr lang="en-GB" sz="5400" b="1" dirty="0" err="1"/>
               <a:t>Anao</a:t>
             </a:r>
             <a:r>
-              <a:rPr lang="en-GB" sz="4800" b="1" dirty="0"/>
-              <a:t> </a:t>
-            </a:r>
-            <a:r>
-              <a:rPr lang="en-GB" sz="4800" b="1" dirty="0" err="1"/>
+              <a:rPr lang="en-GB" sz="5400" b="1" dirty="0"/>
+              <a:t> </a:t>
+            </a:r>
+            <a:r>
+              <a:rPr lang="en-GB" sz="5400" b="1" dirty="0" err="1"/>
               <a:t>manokana</a:t>
             </a:r>
             <a:r>
-              <a:rPr lang="en-GB" sz="4800" b="1" dirty="0"/>
+              <a:rPr lang="en-GB" sz="5400" b="1" dirty="0"/>
               <a:t>,</a:t>
             </a:r>
             <a:r>
-              <a:rPr lang="fr-FR" sz="4800" b="1" dirty="0"/>
+              <a:rPr lang="fr-FR" sz="5400" b="1" dirty="0"/>
               <a:t/>
             </a:r>
             <a:br>
-              <a:rPr lang="fr-FR" sz="4800" b="1" dirty="0"/>
+              <a:rPr lang="fr-FR" sz="5400" b="1" dirty="0"/>
             </a:br>
             <a:r>
-              <a:rPr lang="en-GB" sz="4800" b="1" dirty="0"/>
-              <a:t>   </a:t>
-            </a:r>
-            <a:r>
-              <a:rPr lang="en-GB" sz="4800" b="1" dirty="0" err="1"/>
-              <a:t>Ry</a:t>
-            </a:r>
-            <a:r>
-              <a:rPr lang="en-GB" sz="4800" b="1" dirty="0"/>
-              <a:t> </a:t>
-            </a:r>
-            <a:r>
-              <a:rPr lang="en-GB" sz="4800" b="1" dirty="0" err="1" smtClean="0"/>
+              <a:rPr lang="en-GB" sz="5400" b="1" dirty="0"/>
+              <a:t>Ry </a:t>
+            </a:r>
+            <a:r>
+              <a:rPr lang="en-GB" sz="5400" b="1" dirty="0" err="1"/>
               <a:t>Mpamonjy</a:t>
             </a:r>
             <a:r>
-              <a:rPr lang="en-GB" sz="4800" b="1" dirty="0" smtClean="0"/>
+              <a:rPr lang="en-GB" sz="5400" b="1" dirty="0"/>
               <a:t>,</a:t>
             </a:r>
             <a:r>
-              <a:rPr lang="fr-FR" sz="4800" b="1" dirty="0" smtClean="0"/>
-              <a:t> </a:t>
-            </a:r>
-            <a:r>
-              <a:rPr lang="en-GB" sz="4800" b="1" dirty="0" err="1" smtClean="0"/>
+              <a:rPr lang="fr-FR" sz="5400" b="1" dirty="0"/>
+              <a:t> </a:t>
+            </a:r>
+            <a:br>
+              <a:rPr lang="fr-FR" sz="5400" b="1" dirty="0"/>
+            </a:br>
+            <a:r>
+              <a:rPr lang="en-GB" sz="5400" b="1" dirty="0" err="1"/>
               <a:t>Tompo</a:t>
             </a:r>
             <a:r>
-              <a:rPr lang="en-GB" sz="4800" b="1" dirty="0" smtClean="0"/>
-              <a:t> </a:t>
-            </a:r>
-            <a:r>
-              <a:rPr lang="en-GB" sz="4800" b="1" dirty="0" err="1"/>
+              <a:rPr lang="en-GB" sz="5400" b="1" dirty="0"/>
+              <a:t> </a:t>
+            </a:r>
+            <a:r>
+              <a:rPr lang="en-GB" sz="5400" b="1" dirty="0" err="1"/>
               <a:t>soa</a:t>
             </a:r>
             <a:r>
-              <a:rPr lang="en-GB" sz="4800" b="1" dirty="0"/>
+              <a:rPr lang="en-GB" sz="5400" b="1" dirty="0"/>
               <a:t> !</a:t>
             </a:r>
             <a:r>
-              <a:rPr lang="fr-FR" sz="4800" b="1" dirty="0"/>
+              <a:rPr lang="fr-FR" sz="5400" b="1" dirty="0"/>
               <a:t/>
             </a:r>
             <a:br>
-              <a:rPr lang="fr-FR" sz="4800" b="1" dirty="0"/>
+              <a:rPr lang="fr-FR" sz="5400" b="1" dirty="0"/>
             </a:br>
             <a:r>
-              <a:rPr lang="en-GB" sz="4800" b="1" dirty="0"/>
-              <a:t>   Ho </a:t>
-            </a:r>
-            <a:r>
-              <a:rPr lang="en-GB" sz="4800" b="1" dirty="0" err="1"/>
+              <a:rPr lang="en-GB" sz="5400" b="1" dirty="0" err="1"/>
+              <a:t>Ho</a:t>
+            </a:r>
+            <a:r>
+              <a:rPr lang="en-GB" sz="5400" b="1" dirty="0"/>
+              <a:t> </a:t>
+            </a:r>
+            <a:r>
+              <a:rPr lang="en-GB" sz="5400" b="1" dirty="0" err="1"/>
               <a:t>Anao</a:t>
             </a:r>
             <a:r>
-              <a:rPr lang="en-GB" sz="4800" b="1" dirty="0"/>
-              <a:t> </a:t>
-            </a:r>
-            <a:r>
-              <a:rPr lang="en-GB" sz="4800" b="1" dirty="0" err="1"/>
-              <a:t>di</a:t>
-            </a:r>
-            <a:r>
-              <a:rPr lang="en-GB" sz="4800" b="1" i="1" dirty="0" err="1"/>
-              <a:t>a</a:t>
-            </a:r>
-            <a:r>
-              <a:rPr lang="en-GB" sz="4800" b="1" dirty="0"/>
-              <a:t>  </a:t>
-            </a:r>
-            <a:r>
-              <a:rPr lang="en-GB" sz="4800" b="1" dirty="0" err="1" smtClean="0"/>
+              <a:rPr lang="en-GB" sz="5400" b="1" dirty="0"/>
+              <a:t> </a:t>
+            </a:r>
+            <a:r>
+              <a:rPr lang="en-GB" sz="5400" b="1" dirty="0" err="1"/>
+              <a:t>dia</a:t>
+            </a:r>
+            <a:r>
+              <a:rPr lang="en-GB" sz="5400" b="1" dirty="0"/>
+              <a:t> </a:t>
+            </a:r>
+            <a:r>
+              <a:rPr lang="en-GB" sz="5400" b="1" dirty="0" err="1"/>
               <a:t>Anao</a:t>
             </a:r>
             <a:r>
-              <a:rPr lang="en-GB" sz="4800" b="1" dirty="0" smtClean="0"/>
-              <a:t> </a:t>
-            </a:r>
-            <a:r>
-              <a:rPr lang="en-GB" sz="4800" b="1" dirty="0" err="1"/>
-              <a:t>toko</a:t>
-            </a:r>
-            <a:r>
-              <a:rPr lang="en-GB" sz="4800" b="1" i="1" dirty="0" err="1"/>
-              <a:t>a</a:t>
-            </a:r>
-            <a:r>
-              <a:rPr lang="en-GB" sz="4800" b="1" dirty="0"/>
+              <a:rPr lang="en-GB" sz="5400" b="1" dirty="0"/>
+              <a:t> </a:t>
+            </a:r>
+            <a:r>
+              <a:rPr lang="en-GB" sz="5400" b="1" dirty="0" err="1"/>
+              <a:t>tokoa</a:t>
+            </a:r>
+            <a:r>
+              <a:rPr lang="en-GB" sz="5400" b="1" dirty="0"/>
               <a:t>,</a:t>
             </a:r>
             <a:r>
-              <a:rPr lang="fr-FR" sz="4800" b="1" dirty="0"/>
+              <a:rPr lang="fr-FR" sz="5400" b="1" dirty="0"/>
               <a:t/>
             </a:r>
             <a:br>
-              <a:rPr lang="fr-FR" sz="4800" b="1" dirty="0"/>
+              <a:rPr lang="fr-FR" sz="5400" b="1" dirty="0"/>
             </a:br>
             <a:r>
-              <a:rPr lang="en-GB" sz="4800" b="1" dirty="0"/>
-              <a:t>   Ho </a:t>
-            </a:r>
-            <a:r>
-              <a:rPr lang="en-GB" sz="4800" b="1" dirty="0" err="1"/>
+              <a:rPr lang="en-GB" sz="5400" b="1" dirty="0" err="1"/>
+              <a:t>Ho</a:t>
+            </a:r>
+            <a:r>
+              <a:rPr lang="en-GB" sz="5400" b="1" dirty="0"/>
+              <a:t> </a:t>
+            </a:r>
+            <a:r>
+              <a:rPr lang="en-GB" sz="5400" b="1" dirty="0" err="1"/>
               <a:t>Anao</a:t>
             </a:r>
             <a:r>
-              <a:rPr lang="en-GB" sz="4800" b="1" dirty="0"/>
-              <a:t> </a:t>
-            </a:r>
-            <a:r>
-              <a:rPr lang="en-GB" sz="4800" b="1" dirty="0" err="1"/>
+              <a:rPr lang="en-GB" sz="5400" b="1" dirty="0"/>
+              <a:t> </a:t>
+            </a:r>
+            <a:r>
+              <a:rPr lang="en-GB" sz="5400" b="1" dirty="0" err="1"/>
               <a:t>mandrakizay</a:t>
             </a:r>
             <a:r>
-              <a:rPr lang="en-GB" sz="4800" b="1" dirty="0"/>
+              <a:rPr lang="en-GB" sz="5400" b="1" dirty="0"/>
               <a:t>.</a:t>
             </a:r>
-            <a:endParaRPr lang="fr-FR" sz="4800" b="1" dirty="0"/>
+            <a:endParaRPr lang="fr-FR" sz="5400" b="1" dirty="0"/>
           </a:p>
         </p:txBody>
       </p:sp>
     </p:spTree>
+    <p:extLst>
+      <p:ext uri="{BB962C8B-B14F-4D97-AF65-F5344CB8AC3E}">
+        <p14:creationId xmlns:p14="http://schemas.microsoft.com/office/powerpoint/2010/main" val="3140786165"/>
+      </p:ext>
+    </p:extLst>
   </p:cSld>
   <p:clrMapOvr>
     <a:masterClrMapping/>
   </p:clrMapOvr>
+  <p:transition spd="slow">
+    <p:random/>
+  </p:transition>
+  <p:timing>
+    <p:tnLst>
+      <p:par>
+        <p:cTn id="1" dur="indefinite" restart="never" nodeType="tmRoot"/>
+      </p:par>
+    </p:tnLst>
+  </p:timing>
 </p:sld>
 </file>
 
